--- a/PPT/창연공 3분반 1조 AD 발표자료.pptx
+++ b/PPT/창연공 3분반 1조 AD 발표자료.pptx
@@ -4029,7 +4029,7 @@
         </p:blipFill>
         <p:spPr>
           <a:xfrm>
-            <a:off x="3" y="0"/>
+            <a:off x="0" y="0"/>
             <a:ext cx="12192000" cy="6858000"/>
           </a:xfrm>
           <a:prstGeom prst="rect">
@@ -4884,7 +4884,7 @@
                 <a:latin typeface="나눔스퀘어_ac Bold" panose="020B0600000101010101" pitchFamily="50" charset="-127"/>
                 <a:ea typeface="나눔스퀘어_ac Bold" panose="020B0600000101010101" pitchFamily="50" charset="-127"/>
               </a:rPr>
-              <a:t>Yaw </a:t>
+              <a:t>Pitch </a:t>
             </a:r>
             <a:r>
               <a:rPr lang="ko-KR" altLang="en-US" sz="3200" spc="300" dirty="0">
@@ -5084,7 +5084,7 @@
         </p:nvSpPr>
         <p:spPr>
           <a:xfrm>
-            <a:off x="-187037" y="-239486"/>
+            <a:off x="-27905" y="-19050"/>
             <a:ext cx="12566073" cy="7500257"/>
           </a:xfrm>
           <a:prstGeom prst="rect">
@@ -5135,7 +5135,7 @@
         </p:nvSpPr>
         <p:spPr>
           <a:xfrm>
-            <a:off x="2490209" y="1787598"/>
+            <a:off x="2407679" y="1774395"/>
             <a:ext cx="7999707" cy="923330"/>
           </a:xfrm>
           <a:prstGeom prst="rect">
